--- a/Lectures/39.2017-11-27.pptx
+++ b/Lectures/39.2017-11-27.pptx
@@ -257,7 +257,7 @@
           <a:p>
             <a:fld id="{696019BD-5A9C-D247-A352-90D6F932FC39}" type="datetimeFigureOut">
               <a:rPr lang="en-US" smtClean="0"/>
-              <a:t>11/27/2017</a:t>
+              <a:t>12/1/2017</a:t>
             </a:fld>
             <a:endParaRPr lang="en-US"/>
           </a:p>
@@ -423,7 +423,7 @@
           <a:p>
             <a:fld id="{1984F9F3-EF58-DB4F-B0ED-0B6B850DA2DF}" type="datetimeFigureOut">
               <a:rPr lang="en-US" smtClean="0"/>
-              <a:t>11/27/2017</a:t>
+              <a:t>12/1/2017</a:t>
             </a:fld>
             <a:endParaRPr lang="en-US"/>
           </a:p>
@@ -4420,12 +4420,28 @@
               <a:defRPr/>
             </a:pPr>
             <a:r>
+              <a:rPr lang="en-US" smtClean="0">
+                <a:solidFill>
+                  <a:schemeClr val="accent1"/>
+                </a:solidFill>
+              </a:rPr>
+              <a:t>November </a:t>
+            </a:r>
+            <a:r>
+              <a:rPr lang="en-US" smtClean="0">
+                <a:solidFill>
+                  <a:schemeClr val="accent1"/>
+                </a:solidFill>
+              </a:rPr>
+              <a:t>27</a:t>
+            </a:r>
+            <a:r>
               <a:rPr lang="en-US" dirty="0" smtClean="0">
                 <a:solidFill>
                   <a:schemeClr val="accent1"/>
                 </a:solidFill>
               </a:rPr>
-              <a:t>November 17, 2017</a:t>
+              <a:t>, 2017</a:t>
             </a:r>
           </a:p>
           <a:p>
@@ -6254,11 +6270,6 @@
               </a:rPr>
               <a:t>Fall 2017</a:t>
             </a:r>
-            <a:endParaRPr lang="en-US" dirty="0" smtClean="0">
-              <a:solidFill>
-                <a:schemeClr val="accent1"/>
-              </a:solidFill>
-            </a:endParaRPr>
           </a:p>
           <a:p>
             <a:pPr marL="457200" lvl="1" indent="0">
@@ -6718,11 +6729,6 @@
               </a:rPr>
               <a:t>Exam3</a:t>
             </a:r>
-            <a:endParaRPr lang="en-US" dirty="0" smtClean="0">
-              <a:solidFill>
-                <a:schemeClr val="accent1"/>
-              </a:solidFill>
-            </a:endParaRPr>
           </a:p>
           <a:p>
             <a:pPr marL="457200" lvl="1" indent="0">
